--- a/reactjs/ppt/1-3 React基础语法（二）.pptx
+++ b/reactjs/ppt/1-3 React基础语法（二）.pptx
@@ -2342,294 +2342,6 @@
           <a:bodyPr/>
           <a:lstStyle/>
           <a:p>
-            <a:r>
-              <a:rPr lang="en-US" altLang="zh-CN" sz="1200" b="0" i="0" kern="1200" dirty="0" smtClean="0">
-                <a:solidFill>
-                  <a:schemeClr val="tx1"/>
-                </a:solidFill>
-                <a:effectLst/>
-                <a:latin typeface="Arial" panose="020B0604020202020204" pitchFamily="34" charset="0"/>
-                <a:ea typeface="+mn-ea"/>
-                <a:cs typeface="+mn-cs"/>
-              </a:rPr>
-              <a:t>JSX</a:t>
-            </a:r>
-            <a:r>
-              <a:rPr lang="zh-CN" altLang="en-US" sz="1200" b="0" i="0" kern="1200" dirty="0" smtClean="0">
-                <a:solidFill>
-                  <a:schemeClr val="tx1"/>
-                </a:solidFill>
-                <a:effectLst/>
-                <a:latin typeface="Arial" panose="020B0604020202020204" pitchFamily="34" charset="0"/>
-                <a:ea typeface="+mn-ea"/>
-                <a:cs typeface="+mn-cs"/>
-              </a:rPr>
-              <a:t>就是</a:t>
-            </a:r>
-            <a:r>
-              <a:rPr lang="en-US" altLang="zh-CN" sz="1200" b="0" i="0" kern="1200" dirty="0" err="1" smtClean="0">
-                <a:solidFill>
-                  <a:schemeClr val="tx1"/>
-                </a:solidFill>
-                <a:effectLst/>
-                <a:latin typeface="Arial" panose="020B0604020202020204" pitchFamily="34" charset="0"/>
-                <a:ea typeface="+mn-ea"/>
-                <a:cs typeface="+mn-cs"/>
-              </a:rPr>
-              <a:t>Javascript</a:t>
-            </a:r>
-            <a:r>
-              <a:rPr lang="zh-CN" altLang="en-US" sz="1200" b="0" i="0" kern="1200" dirty="0" smtClean="0">
-                <a:solidFill>
-                  <a:schemeClr val="tx1"/>
-                </a:solidFill>
-                <a:effectLst/>
-                <a:latin typeface="Arial" panose="020B0604020202020204" pitchFamily="34" charset="0"/>
-                <a:ea typeface="+mn-ea"/>
-                <a:cs typeface="+mn-cs"/>
-              </a:rPr>
-              <a:t>和</a:t>
-            </a:r>
-            <a:r>
-              <a:rPr lang="en-US" altLang="zh-CN" sz="1200" b="0" i="0" kern="1200" dirty="0" smtClean="0">
-                <a:solidFill>
-                  <a:schemeClr val="tx1"/>
-                </a:solidFill>
-                <a:effectLst/>
-                <a:latin typeface="Arial" panose="020B0604020202020204" pitchFamily="34" charset="0"/>
-                <a:ea typeface="+mn-ea"/>
-                <a:cs typeface="+mn-cs"/>
-              </a:rPr>
-              <a:t>XML</a:t>
-            </a:r>
-            <a:r>
-              <a:rPr lang="zh-CN" altLang="en-US" sz="1200" b="0" i="0" kern="1200" dirty="0" smtClean="0">
-                <a:solidFill>
-                  <a:schemeClr val="tx1"/>
-                </a:solidFill>
-                <a:effectLst/>
-                <a:latin typeface="Arial" panose="020B0604020202020204" pitchFamily="34" charset="0"/>
-                <a:ea typeface="+mn-ea"/>
-                <a:cs typeface="+mn-cs"/>
-              </a:rPr>
-              <a:t>结合的一种格式。</a:t>
-            </a:r>
-            <a:r>
-              <a:rPr lang="en-US" altLang="zh-CN" sz="1200" b="0" i="0" kern="1200" dirty="0" smtClean="0">
-                <a:solidFill>
-                  <a:schemeClr val="tx1"/>
-                </a:solidFill>
-                <a:effectLst/>
-                <a:latin typeface="Arial" panose="020B0604020202020204" pitchFamily="34" charset="0"/>
-                <a:ea typeface="+mn-ea"/>
-                <a:cs typeface="+mn-cs"/>
-              </a:rPr>
-              <a:t>React</a:t>
-            </a:r>
-            <a:r>
-              <a:rPr lang="zh-CN" altLang="en-US" sz="1200" b="0" i="0" kern="1200" dirty="0" smtClean="0">
-                <a:solidFill>
-                  <a:schemeClr val="tx1"/>
-                </a:solidFill>
-                <a:effectLst/>
-                <a:latin typeface="Arial" panose="020B0604020202020204" pitchFamily="34" charset="0"/>
-                <a:ea typeface="+mn-ea"/>
-                <a:cs typeface="+mn-cs"/>
-              </a:rPr>
-              <a:t>发明了</a:t>
-            </a:r>
-            <a:r>
-              <a:rPr lang="en-US" altLang="zh-CN" sz="1200" b="0" i="0" kern="1200" dirty="0" smtClean="0">
-                <a:solidFill>
-                  <a:schemeClr val="tx1"/>
-                </a:solidFill>
-                <a:effectLst/>
-                <a:latin typeface="Arial" panose="020B0604020202020204" pitchFamily="34" charset="0"/>
-                <a:ea typeface="+mn-ea"/>
-                <a:cs typeface="+mn-cs"/>
-              </a:rPr>
-              <a:t>JSX</a:t>
-            </a:r>
-            <a:r>
-              <a:rPr lang="zh-CN" altLang="en-US" sz="1200" b="0" i="0" kern="1200" dirty="0" smtClean="0">
-                <a:solidFill>
-                  <a:schemeClr val="tx1"/>
-                </a:solidFill>
-                <a:effectLst/>
-                <a:latin typeface="Arial" panose="020B0604020202020204" pitchFamily="34" charset="0"/>
-                <a:ea typeface="+mn-ea"/>
-                <a:cs typeface="+mn-cs"/>
-              </a:rPr>
-              <a:t>，利用</a:t>
-            </a:r>
-            <a:r>
-              <a:rPr lang="en-US" altLang="zh-CN" sz="1200" b="0" i="0" kern="1200" dirty="0" smtClean="0">
-                <a:solidFill>
-                  <a:schemeClr val="tx1"/>
-                </a:solidFill>
-                <a:effectLst/>
-                <a:latin typeface="Arial" panose="020B0604020202020204" pitchFamily="34" charset="0"/>
-                <a:ea typeface="+mn-ea"/>
-                <a:cs typeface="+mn-cs"/>
-              </a:rPr>
-              <a:t>HTML</a:t>
-            </a:r>
-            <a:r>
-              <a:rPr lang="zh-CN" altLang="en-US" sz="1200" b="0" i="0" kern="1200" dirty="0" smtClean="0">
-                <a:solidFill>
-                  <a:schemeClr val="tx1"/>
-                </a:solidFill>
-                <a:effectLst/>
-                <a:latin typeface="Arial" panose="020B0604020202020204" pitchFamily="34" charset="0"/>
-                <a:ea typeface="+mn-ea"/>
-                <a:cs typeface="+mn-cs"/>
-              </a:rPr>
-              <a:t>语法来创建虚拟</a:t>
-            </a:r>
-            <a:r>
-              <a:rPr lang="en-US" altLang="zh-CN" sz="1200" b="0" i="0" kern="1200" dirty="0" smtClean="0">
-                <a:solidFill>
-                  <a:schemeClr val="tx1"/>
-                </a:solidFill>
-                <a:effectLst/>
-                <a:latin typeface="Arial" panose="020B0604020202020204" pitchFamily="34" charset="0"/>
-                <a:ea typeface="+mn-ea"/>
-                <a:cs typeface="+mn-cs"/>
-              </a:rPr>
-              <a:t>DOM</a:t>
-            </a:r>
-            <a:r>
-              <a:rPr lang="zh-CN" altLang="en-US" sz="1200" b="0" i="0" kern="1200" dirty="0" smtClean="0">
-                <a:solidFill>
-                  <a:schemeClr val="tx1"/>
-                </a:solidFill>
-                <a:effectLst/>
-                <a:latin typeface="Arial" panose="020B0604020202020204" pitchFamily="34" charset="0"/>
-                <a:ea typeface="+mn-ea"/>
-                <a:cs typeface="+mn-cs"/>
-              </a:rPr>
-              <a:t>。当遇到</a:t>
-            </a:r>
-            <a:r>
-              <a:rPr lang="en-US" altLang="zh-CN" sz="1200" b="0" i="0" kern="1200" dirty="0" smtClean="0">
-                <a:solidFill>
-                  <a:schemeClr val="tx1"/>
-                </a:solidFill>
-                <a:effectLst/>
-                <a:latin typeface="Arial" panose="020B0604020202020204" pitchFamily="34" charset="0"/>
-                <a:ea typeface="+mn-ea"/>
-                <a:cs typeface="+mn-cs"/>
-              </a:rPr>
-              <a:t>&lt;</a:t>
-            </a:r>
-            <a:r>
-              <a:rPr lang="zh-CN" altLang="en-US" sz="1200" b="0" i="0" kern="1200" dirty="0" smtClean="0">
-                <a:solidFill>
-                  <a:schemeClr val="tx1"/>
-                </a:solidFill>
-                <a:effectLst/>
-                <a:latin typeface="Arial" panose="020B0604020202020204" pitchFamily="34" charset="0"/>
-                <a:ea typeface="+mn-ea"/>
-                <a:cs typeface="+mn-cs"/>
-              </a:rPr>
-              <a:t>，</a:t>
-            </a:r>
-            <a:r>
-              <a:rPr lang="en-US" altLang="zh-CN" sz="1200" b="0" i="0" kern="1200" dirty="0" smtClean="0">
-                <a:solidFill>
-                  <a:schemeClr val="tx1"/>
-                </a:solidFill>
-                <a:effectLst/>
-                <a:latin typeface="Arial" panose="020B0604020202020204" pitchFamily="34" charset="0"/>
-                <a:ea typeface="+mn-ea"/>
-                <a:cs typeface="+mn-cs"/>
-              </a:rPr>
-              <a:t>JSX</a:t>
-            </a:r>
-            <a:r>
-              <a:rPr lang="zh-CN" altLang="en-US" sz="1200" b="0" i="0" kern="1200" dirty="0" smtClean="0">
-                <a:solidFill>
-                  <a:schemeClr val="tx1"/>
-                </a:solidFill>
-                <a:effectLst/>
-                <a:latin typeface="Arial" panose="020B0604020202020204" pitchFamily="34" charset="0"/>
-                <a:ea typeface="+mn-ea"/>
-                <a:cs typeface="+mn-cs"/>
-              </a:rPr>
-              <a:t>就当</a:t>
-            </a:r>
-            <a:r>
-              <a:rPr lang="en-US" altLang="zh-CN" sz="1200" b="0" i="0" kern="1200" dirty="0" smtClean="0">
-                <a:solidFill>
-                  <a:schemeClr val="tx1"/>
-                </a:solidFill>
-                <a:effectLst/>
-                <a:latin typeface="Arial" panose="020B0604020202020204" pitchFamily="34" charset="0"/>
-                <a:ea typeface="+mn-ea"/>
-                <a:cs typeface="+mn-cs"/>
-              </a:rPr>
-              <a:t>HTML</a:t>
-            </a:r>
-            <a:r>
-              <a:rPr lang="zh-CN" altLang="en-US" sz="1200" b="0" i="0" kern="1200" dirty="0" smtClean="0">
-                <a:solidFill>
-                  <a:schemeClr val="tx1"/>
-                </a:solidFill>
-                <a:effectLst/>
-                <a:latin typeface="Arial" panose="020B0604020202020204" pitchFamily="34" charset="0"/>
-                <a:ea typeface="+mn-ea"/>
-                <a:cs typeface="+mn-cs"/>
-              </a:rPr>
-              <a:t>解析，遇到</a:t>
-            </a:r>
-            <a:r>
-              <a:rPr lang="en-US" altLang="zh-CN" sz="1200" b="0" i="0" kern="1200" dirty="0" smtClean="0">
-                <a:solidFill>
-                  <a:schemeClr val="tx1"/>
-                </a:solidFill>
-                <a:effectLst/>
-                <a:latin typeface="Arial" panose="020B0604020202020204" pitchFamily="34" charset="0"/>
-                <a:ea typeface="+mn-ea"/>
-                <a:cs typeface="+mn-cs"/>
-              </a:rPr>
-              <a:t>{</a:t>
-            </a:r>
-            <a:r>
-              <a:rPr lang="zh-CN" altLang="en-US" sz="1200" b="0" i="0" kern="1200" dirty="0" smtClean="0">
-                <a:solidFill>
-                  <a:schemeClr val="tx1"/>
-                </a:solidFill>
-                <a:effectLst/>
-                <a:latin typeface="Arial" panose="020B0604020202020204" pitchFamily="34" charset="0"/>
-                <a:ea typeface="+mn-ea"/>
-                <a:cs typeface="+mn-cs"/>
-              </a:rPr>
-              <a:t>就当</a:t>
-            </a:r>
-            <a:r>
-              <a:rPr lang="en-US" altLang="zh-CN" sz="1200" b="0" i="0" kern="1200" dirty="0" smtClean="0">
-                <a:solidFill>
-                  <a:schemeClr val="tx1"/>
-                </a:solidFill>
-                <a:effectLst/>
-                <a:latin typeface="Arial" panose="020B0604020202020204" pitchFamily="34" charset="0"/>
-                <a:ea typeface="+mn-ea"/>
-                <a:cs typeface="+mn-cs"/>
-              </a:rPr>
-              <a:t>JavaScript</a:t>
-            </a:r>
-            <a:r>
-              <a:rPr lang="zh-CN" altLang="en-US" sz="1200" b="0" i="0" kern="1200" dirty="0" smtClean="0">
-                <a:solidFill>
-                  <a:schemeClr val="tx1"/>
-                </a:solidFill>
-                <a:effectLst/>
-                <a:latin typeface="Arial" panose="020B0604020202020204" pitchFamily="34" charset="0"/>
-                <a:ea typeface="+mn-ea"/>
-                <a:cs typeface="+mn-cs"/>
-              </a:rPr>
-              <a:t>解析</a:t>
-            </a:r>
             <a:endParaRPr lang="zh-CN" altLang="en-US" dirty="0"/>
           </a:p>
         </p:txBody>
@@ -4776,14 +4488,7 @@
                 <a:latin typeface="+mj-ea"/>
                 <a:ea typeface="+mj-ea"/>
               </a:rPr>
-              <a:t> </a:t>
-            </a:r>
-            <a:r>
-              <a:rPr lang="zh-CN" altLang="en-US" dirty="0" smtClean="0">
-                <a:latin typeface="+mj-ea"/>
-                <a:ea typeface="+mj-ea"/>
-              </a:rPr>
-              <a:t>利用受控组件实现 </a:t>
+              <a:t> 利用受控组件实现 </a:t>
             </a:r>
             <a:r>
               <a:rPr lang="en-US" altLang="zh-CN" dirty="0">
@@ -4862,14 +4567,7 @@
                 <a:latin typeface="+mn-ea"/>
                 <a:ea typeface="+mn-ea"/>
               </a:rPr>
-              <a:t>T</a:t>
-            </a:r>
-            <a:r>
-              <a:rPr lang="en-US" altLang="zh-CN" dirty="0" err="1" smtClean="0">
-                <a:latin typeface="+mn-ea"/>
-                <a:ea typeface="+mn-ea"/>
-              </a:rPr>
-              <a:t>odoList</a:t>
+              <a:t>TodoList</a:t>
             </a:r>
             <a:endParaRPr lang="zh-CN" altLang="en-US" dirty="0" smtClean="0">
               <a:latin typeface="+mn-ea"/>
@@ -6323,15 +6021,7 @@
             </a:r>
             <a:r>
               <a:rPr lang="en-US" altLang="zh-CN" sz="2400" dirty="0"/>
-              <a:t>World</a:t>
-            </a:r>
-            <a:r>
-              <a:rPr lang="en-US" altLang="zh-CN" sz="2400" dirty="0"/>
-              <a:t>!</a:t>
-            </a:r>
-            <a:r>
-              <a:rPr lang="en-US" altLang="zh-CN" sz="2400" dirty="0"/>
-              <a:t> </a:t>
+              <a:t>World! </a:t>
             </a:r>
             <a:endParaRPr lang="en-US" altLang="zh-CN" sz="2400" dirty="0" smtClean="0"/>
           </a:p>
@@ -7054,10 +6744,6 @@
               </a:rPr>
               <a:t>DOM Elements</a:t>
             </a:r>
-            <a:endParaRPr lang="en-US" altLang="zh-CN" sz="2800" b="1" dirty="0" smtClean="0">
-              <a:latin typeface="+mj-ea"/>
-              <a:ea typeface="+mj-ea"/>
-            </a:endParaRPr>
           </a:p>
         </p:txBody>
       </p:sp>
@@ -7123,14 +6809,7 @@
                 <a:latin typeface="+mj-ea"/>
                 <a:ea typeface="+mj-ea"/>
               </a:rPr>
-              <a:t> </a:t>
-            </a:r>
-            <a:r>
-              <a:rPr lang="zh-CN" altLang="en-US" dirty="0" smtClean="0">
-                <a:latin typeface="+mj-ea"/>
-                <a:ea typeface="+mj-ea"/>
-              </a:rPr>
-              <a:t>使用 </a:t>
+              <a:t> 使用 </a:t>
             </a:r>
             <a:r>
               <a:rPr lang="en-US" altLang="zh-CN" dirty="0" err="1" smtClean="0">
@@ -7207,14 +6886,7 @@
                 <a:latin typeface="+mn-ea"/>
                 <a:ea typeface="+mn-ea"/>
               </a:rPr>
-              <a:t>P</a:t>
-            </a:r>
-            <a:r>
-              <a:rPr lang="en-US" altLang="zh-CN" dirty="0" err="1" smtClean="0">
-                <a:latin typeface="+mn-ea"/>
-                <a:ea typeface="+mn-ea"/>
-              </a:rPr>
-              <a:t>ropTypes</a:t>
+              <a:t>PropTypes</a:t>
             </a:r>
             <a:r>
               <a:rPr lang="en-US" altLang="zh-CN" dirty="0" smtClean="0">
@@ -7281,11 +6953,7 @@
             </a:r>
             <a:r>
               <a:rPr lang="en-US" altLang="zh-CN" sz="2400" dirty="0"/>
-              <a:t> from </a:t>
-            </a:r>
-            <a:r>
-              <a:rPr lang="en-US" altLang="zh-CN" sz="2400" dirty="0"/>
-              <a:t>‘prop-types</a:t>
+              <a:t> from ‘prop-types</a:t>
             </a:r>
             <a:r>
               <a:rPr lang="en-US" altLang="zh-CN" sz="2400" dirty="0" smtClean="0"/>
@@ -7302,11 +6970,7 @@
           <a:p>
             <a:r>
               <a:rPr lang="en-US" altLang="zh-CN" sz="2400" dirty="0" smtClean="0"/>
-              <a:t>class </a:t>
-            </a:r>
-            <a:r>
-              <a:rPr lang="en-US" altLang="zh-CN" sz="2400" dirty="0" smtClean="0"/>
-              <a:t>Hello </a:t>
+              <a:t>class Hello </a:t>
             </a:r>
             <a:r>
               <a:rPr lang="en-US" altLang="zh-CN" sz="2400" dirty="0">
@@ -7621,14 +7285,7 @@
                 <a:latin typeface="+mj-ea"/>
                 <a:ea typeface="+mj-ea"/>
               </a:rPr>
-              <a:t> </a:t>
-            </a:r>
-            <a:r>
-              <a:rPr lang="zh-CN" altLang="en-US" dirty="0" smtClean="0">
-                <a:latin typeface="+mj-ea"/>
-                <a:ea typeface="+mj-ea"/>
-              </a:rPr>
-              <a:t>使用 </a:t>
+              <a:t> 使用 </a:t>
             </a:r>
             <a:r>
               <a:rPr lang="en-US" altLang="zh-CN" dirty="0" err="1"/>
@@ -7761,11 +7418,7 @@
             </a:r>
             <a:r>
               <a:rPr lang="en-US" altLang="zh-CN" sz="2400" dirty="0"/>
-              <a:t> from </a:t>
-            </a:r>
-            <a:r>
-              <a:rPr lang="en-US" altLang="zh-CN" sz="2400" dirty="0"/>
-              <a:t>‘prop-types</a:t>
+              <a:t> from ‘prop-types</a:t>
             </a:r>
             <a:r>
               <a:rPr lang="en-US" altLang="zh-CN" sz="2400" dirty="0" smtClean="0"/>
@@ -7782,11 +7435,7 @@
           <a:p>
             <a:r>
               <a:rPr lang="en-US" altLang="zh-CN" sz="2400" dirty="0" smtClean="0"/>
-              <a:t>class </a:t>
-            </a:r>
-            <a:r>
-              <a:rPr lang="en-US" altLang="zh-CN" sz="2400" dirty="0" smtClean="0"/>
-              <a:t>Hello </a:t>
+              <a:t>class Hello </a:t>
             </a:r>
             <a:r>
               <a:rPr lang="en-US" altLang="zh-CN" sz="2400" dirty="0">
@@ -8564,15 +8213,7 @@
             </a:r>
             <a:r>
               <a:rPr lang="en-US" altLang="zh-CN" dirty="0"/>
-              <a:t>&lt;input&gt;</a:t>
-            </a:r>
-            <a:r>
-              <a:rPr lang="en-US" altLang="zh-CN" dirty="0"/>
-              <a:t>,</a:t>
-            </a:r>
-            <a:r>
-              <a:rPr lang="en-US" altLang="zh-CN" dirty="0"/>
-              <a:t>&lt;</a:t>
+              <a:t>&lt;input&gt;,&lt;</a:t>
             </a:r>
             <a:r>
               <a:rPr lang="en-US" altLang="zh-CN" dirty="0" err="1"/>
@@ -8580,11 +8221,7 @@
             </a:r>
             <a:r>
               <a:rPr lang="en-US" altLang="zh-CN" dirty="0"/>
-              <a:t>&gt;</a:t>
-            </a:r>
-            <a:r>
-              <a:rPr lang="en-US" altLang="zh-CN" dirty="0"/>
-              <a:t>, </a:t>
+              <a:t>&gt;, </a:t>
             </a:r>
             <a:r>
               <a:rPr lang="zh-CN" altLang="en-US" dirty="0"/>
@@ -8757,7 +8394,375 @@
   <p:timing>
     <p:tnLst>
       <p:par>
-        <p:cTn id="1" dur="indefinite" restart="never" nodeType="tmRoot"/>
+        <p:cTn id="1" dur="indefinite" restart="never" nodeType="tmRoot">
+          <p:childTnLst>
+            <p:seq concurrent="1" nextAc="seek">
+              <p:cTn id="2" dur="indefinite" nodeType="mainSeq">
+                <p:childTnLst>
+                  <p:par>
+                    <p:cTn id="3" fill="hold">
+                      <p:stCondLst>
+                        <p:cond delay="indefinite"/>
+                      </p:stCondLst>
+                      <p:childTnLst>
+                        <p:par>
+                          <p:cTn id="4" fill="hold">
+                            <p:stCondLst>
+                              <p:cond delay="0"/>
+                            </p:stCondLst>
+                            <p:childTnLst>
+                              <p:par>
+                                <p:cTn id="5" presetID="42" presetClass="entr" presetSubtype="0" fill="hold" nodeType="clickEffect">
+                                  <p:stCondLst>
+                                    <p:cond delay="0"/>
+                                  </p:stCondLst>
+                                  <p:childTnLst>
+                                    <p:set>
+                                      <p:cBhvr>
+                                        <p:cTn id="6" dur="1" fill="hold">
+                                          <p:stCondLst>
+                                            <p:cond delay="0"/>
+                                          </p:stCondLst>
+                                        </p:cTn>
+                                        <p:tgtEl>
+                                          <p:spTgt spid="30722">
+                                            <p:txEl>
+                                              <p:pRg st="1" end="1"/>
+                                            </p:txEl>
+                                          </p:spTgt>
+                                        </p:tgtEl>
+                                        <p:attrNameLst>
+                                          <p:attrName>style.visibility</p:attrName>
+                                        </p:attrNameLst>
+                                      </p:cBhvr>
+                                      <p:to>
+                                        <p:strVal val="visible"/>
+                                      </p:to>
+                                    </p:set>
+                                    <p:animEffect transition="in" filter="fade">
+                                      <p:cBhvr>
+                                        <p:cTn id="7" dur="1000"/>
+                                        <p:tgtEl>
+                                          <p:spTgt spid="30722">
+                                            <p:txEl>
+                                              <p:pRg st="1" end="1"/>
+                                            </p:txEl>
+                                          </p:spTgt>
+                                        </p:tgtEl>
+                                      </p:cBhvr>
+                                    </p:animEffect>
+                                    <p:anim calcmode="lin" valueType="num">
+                                      <p:cBhvr>
+                                        <p:cTn id="8" dur="1000" fill="hold"/>
+                                        <p:tgtEl>
+                                          <p:spTgt spid="30722">
+                                            <p:txEl>
+                                              <p:pRg st="1" end="1"/>
+                                            </p:txEl>
+                                          </p:spTgt>
+                                        </p:tgtEl>
+                                        <p:attrNameLst>
+                                          <p:attrName>ppt_x</p:attrName>
+                                        </p:attrNameLst>
+                                      </p:cBhvr>
+                                      <p:tavLst>
+                                        <p:tav tm="0">
+                                          <p:val>
+                                            <p:strVal val="#ppt_x"/>
+                                          </p:val>
+                                        </p:tav>
+                                        <p:tav tm="100000">
+                                          <p:val>
+                                            <p:strVal val="#ppt_x"/>
+                                          </p:val>
+                                        </p:tav>
+                                      </p:tavLst>
+                                    </p:anim>
+                                    <p:anim calcmode="lin" valueType="num">
+                                      <p:cBhvr>
+                                        <p:cTn id="9" dur="1000" fill="hold"/>
+                                        <p:tgtEl>
+                                          <p:spTgt spid="30722">
+                                            <p:txEl>
+                                              <p:pRg st="1" end="1"/>
+                                            </p:txEl>
+                                          </p:spTgt>
+                                        </p:tgtEl>
+                                        <p:attrNameLst>
+                                          <p:attrName>ppt_y</p:attrName>
+                                        </p:attrNameLst>
+                                      </p:cBhvr>
+                                      <p:tavLst>
+                                        <p:tav tm="0">
+                                          <p:val>
+                                            <p:strVal val="#ppt_y+.1"/>
+                                          </p:val>
+                                        </p:tav>
+                                        <p:tav tm="100000">
+                                          <p:val>
+                                            <p:strVal val="#ppt_y"/>
+                                          </p:val>
+                                        </p:tav>
+                                      </p:tavLst>
+                                    </p:anim>
+                                  </p:childTnLst>
+                                </p:cTn>
+                              </p:par>
+                            </p:childTnLst>
+                          </p:cTn>
+                        </p:par>
+                      </p:childTnLst>
+                    </p:cTn>
+                  </p:par>
+                  <p:par>
+                    <p:cTn id="10" fill="hold">
+                      <p:stCondLst>
+                        <p:cond delay="indefinite"/>
+                      </p:stCondLst>
+                      <p:childTnLst>
+                        <p:par>
+                          <p:cTn id="11" fill="hold">
+                            <p:stCondLst>
+                              <p:cond delay="0"/>
+                            </p:stCondLst>
+                            <p:childTnLst>
+                              <p:par>
+                                <p:cTn id="12" presetID="42" presetClass="entr" presetSubtype="0" fill="hold" nodeType="clickEffect">
+                                  <p:stCondLst>
+                                    <p:cond delay="0"/>
+                                  </p:stCondLst>
+                                  <p:childTnLst>
+                                    <p:set>
+                                      <p:cBhvr>
+                                        <p:cTn id="13" dur="1" fill="hold">
+                                          <p:stCondLst>
+                                            <p:cond delay="0"/>
+                                          </p:stCondLst>
+                                        </p:cTn>
+                                        <p:tgtEl>
+                                          <p:spTgt spid="30722">
+                                            <p:txEl>
+                                              <p:pRg st="2" end="2"/>
+                                            </p:txEl>
+                                          </p:spTgt>
+                                        </p:tgtEl>
+                                        <p:attrNameLst>
+                                          <p:attrName>style.visibility</p:attrName>
+                                        </p:attrNameLst>
+                                      </p:cBhvr>
+                                      <p:to>
+                                        <p:strVal val="visible"/>
+                                      </p:to>
+                                    </p:set>
+                                    <p:animEffect transition="in" filter="fade">
+                                      <p:cBhvr>
+                                        <p:cTn id="14" dur="1000"/>
+                                        <p:tgtEl>
+                                          <p:spTgt spid="30722">
+                                            <p:txEl>
+                                              <p:pRg st="2" end="2"/>
+                                            </p:txEl>
+                                          </p:spTgt>
+                                        </p:tgtEl>
+                                      </p:cBhvr>
+                                    </p:animEffect>
+                                    <p:anim calcmode="lin" valueType="num">
+                                      <p:cBhvr>
+                                        <p:cTn id="15" dur="1000" fill="hold"/>
+                                        <p:tgtEl>
+                                          <p:spTgt spid="30722">
+                                            <p:txEl>
+                                              <p:pRg st="2" end="2"/>
+                                            </p:txEl>
+                                          </p:spTgt>
+                                        </p:tgtEl>
+                                        <p:attrNameLst>
+                                          <p:attrName>ppt_x</p:attrName>
+                                        </p:attrNameLst>
+                                      </p:cBhvr>
+                                      <p:tavLst>
+                                        <p:tav tm="0">
+                                          <p:val>
+                                            <p:strVal val="#ppt_x"/>
+                                          </p:val>
+                                        </p:tav>
+                                        <p:tav tm="100000">
+                                          <p:val>
+                                            <p:strVal val="#ppt_x"/>
+                                          </p:val>
+                                        </p:tav>
+                                      </p:tavLst>
+                                    </p:anim>
+                                    <p:anim calcmode="lin" valueType="num">
+                                      <p:cBhvr>
+                                        <p:cTn id="16" dur="1000" fill="hold"/>
+                                        <p:tgtEl>
+                                          <p:spTgt spid="30722">
+                                            <p:txEl>
+                                              <p:pRg st="2" end="2"/>
+                                            </p:txEl>
+                                          </p:spTgt>
+                                        </p:tgtEl>
+                                        <p:attrNameLst>
+                                          <p:attrName>ppt_y</p:attrName>
+                                        </p:attrNameLst>
+                                      </p:cBhvr>
+                                      <p:tavLst>
+                                        <p:tav tm="0">
+                                          <p:val>
+                                            <p:strVal val="#ppt_y+.1"/>
+                                          </p:val>
+                                        </p:tav>
+                                        <p:tav tm="100000">
+                                          <p:val>
+                                            <p:strVal val="#ppt_y"/>
+                                          </p:val>
+                                        </p:tav>
+                                      </p:tavLst>
+                                    </p:anim>
+                                  </p:childTnLst>
+                                </p:cTn>
+                              </p:par>
+                            </p:childTnLst>
+                          </p:cTn>
+                        </p:par>
+                      </p:childTnLst>
+                    </p:cTn>
+                  </p:par>
+                  <p:par>
+                    <p:cTn id="17" fill="hold">
+                      <p:stCondLst>
+                        <p:cond delay="indefinite"/>
+                      </p:stCondLst>
+                      <p:childTnLst>
+                        <p:par>
+                          <p:cTn id="18" fill="hold">
+                            <p:stCondLst>
+                              <p:cond delay="0"/>
+                            </p:stCondLst>
+                            <p:childTnLst>
+                              <p:par>
+                                <p:cTn id="19" presetID="42" presetClass="entr" presetSubtype="0" fill="hold" nodeType="clickEffect">
+                                  <p:stCondLst>
+                                    <p:cond delay="0"/>
+                                  </p:stCondLst>
+                                  <p:childTnLst>
+                                    <p:set>
+                                      <p:cBhvr>
+                                        <p:cTn id="20" dur="1" fill="hold">
+                                          <p:stCondLst>
+                                            <p:cond delay="0"/>
+                                          </p:stCondLst>
+                                        </p:cTn>
+                                        <p:tgtEl>
+                                          <p:spTgt spid="30722">
+                                            <p:txEl>
+                                              <p:pRg st="3" end="3"/>
+                                            </p:txEl>
+                                          </p:spTgt>
+                                        </p:tgtEl>
+                                        <p:attrNameLst>
+                                          <p:attrName>style.visibility</p:attrName>
+                                        </p:attrNameLst>
+                                      </p:cBhvr>
+                                      <p:to>
+                                        <p:strVal val="visible"/>
+                                      </p:to>
+                                    </p:set>
+                                    <p:animEffect transition="in" filter="fade">
+                                      <p:cBhvr>
+                                        <p:cTn id="21" dur="1000"/>
+                                        <p:tgtEl>
+                                          <p:spTgt spid="30722">
+                                            <p:txEl>
+                                              <p:pRg st="3" end="3"/>
+                                            </p:txEl>
+                                          </p:spTgt>
+                                        </p:tgtEl>
+                                      </p:cBhvr>
+                                    </p:animEffect>
+                                    <p:anim calcmode="lin" valueType="num">
+                                      <p:cBhvr>
+                                        <p:cTn id="22" dur="1000" fill="hold"/>
+                                        <p:tgtEl>
+                                          <p:spTgt spid="30722">
+                                            <p:txEl>
+                                              <p:pRg st="3" end="3"/>
+                                            </p:txEl>
+                                          </p:spTgt>
+                                        </p:tgtEl>
+                                        <p:attrNameLst>
+                                          <p:attrName>ppt_x</p:attrName>
+                                        </p:attrNameLst>
+                                      </p:cBhvr>
+                                      <p:tavLst>
+                                        <p:tav tm="0">
+                                          <p:val>
+                                            <p:strVal val="#ppt_x"/>
+                                          </p:val>
+                                        </p:tav>
+                                        <p:tav tm="100000">
+                                          <p:val>
+                                            <p:strVal val="#ppt_x"/>
+                                          </p:val>
+                                        </p:tav>
+                                      </p:tavLst>
+                                    </p:anim>
+                                    <p:anim calcmode="lin" valueType="num">
+                                      <p:cBhvr>
+                                        <p:cTn id="23" dur="1000" fill="hold"/>
+                                        <p:tgtEl>
+                                          <p:spTgt spid="30722">
+                                            <p:txEl>
+                                              <p:pRg st="3" end="3"/>
+                                            </p:txEl>
+                                          </p:spTgt>
+                                        </p:tgtEl>
+                                        <p:attrNameLst>
+                                          <p:attrName>ppt_y</p:attrName>
+                                        </p:attrNameLst>
+                                      </p:cBhvr>
+                                      <p:tavLst>
+                                        <p:tav tm="0">
+                                          <p:val>
+                                            <p:strVal val="#ppt_y+.1"/>
+                                          </p:val>
+                                        </p:tav>
+                                        <p:tav tm="100000">
+                                          <p:val>
+                                            <p:strVal val="#ppt_y"/>
+                                          </p:val>
+                                        </p:tav>
+                                      </p:tavLst>
+                                    </p:anim>
+                                  </p:childTnLst>
+                                </p:cTn>
+                              </p:par>
+                            </p:childTnLst>
+                          </p:cTn>
+                        </p:par>
+                      </p:childTnLst>
+                    </p:cTn>
+                  </p:par>
+                </p:childTnLst>
+              </p:cTn>
+              <p:prevCondLst>
+                <p:cond evt="onPrev" delay="0">
+                  <p:tgtEl>
+                    <p:sldTgt/>
+                  </p:tgtEl>
+                </p:cond>
+              </p:prevCondLst>
+              <p:nextCondLst>
+                <p:cond evt="onNext" delay="0">
+                  <p:tgtEl>
+                    <p:sldTgt/>
+                  </p:tgtEl>
+                </p:cond>
+              </p:nextCondLst>
+            </p:seq>
+          </p:childTnLst>
+        </p:cTn>
       </p:par>
     </p:tnLst>
   </p:timing>
@@ -9378,9 +9383,724 @@
   <p:timing>
     <p:tnLst>
       <p:par>
-        <p:cTn id="1" dur="indefinite" restart="never" nodeType="tmRoot"/>
+        <p:cTn id="1" dur="indefinite" restart="never" nodeType="tmRoot">
+          <p:childTnLst>
+            <p:seq concurrent="1" nextAc="seek">
+              <p:cTn id="2" dur="indefinite" nodeType="mainSeq">
+                <p:childTnLst>
+                  <p:par>
+                    <p:cTn id="3" fill="hold">
+                      <p:stCondLst>
+                        <p:cond delay="indefinite"/>
+                      </p:stCondLst>
+                      <p:childTnLst>
+                        <p:par>
+                          <p:cTn id="4" fill="hold">
+                            <p:stCondLst>
+                              <p:cond delay="0"/>
+                            </p:stCondLst>
+                            <p:childTnLst>
+                              <p:par>
+                                <p:cTn id="5" presetID="42" presetClass="entr" presetSubtype="0" fill="hold" nodeType="clickEffect">
+                                  <p:stCondLst>
+                                    <p:cond delay="0"/>
+                                  </p:stCondLst>
+                                  <p:childTnLst>
+                                    <p:set>
+                                      <p:cBhvr>
+                                        <p:cTn id="6" dur="1" fill="hold">
+                                          <p:stCondLst>
+                                            <p:cond delay="0"/>
+                                          </p:stCondLst>
+                                        </p:cTn>
+                                        <p:tgtEl>
+                                          <p:spTgt spid="30722">
+                                            <p:txEl>
+                                              <p:pRg st="1" end="1"/>
+                                            </p:txEl>
+                                          </p:spTgt>
+                                        </p:tgtEl>
+                                        <p:attrNameLst>
+                                          <p:attrName>style.visibility</p:attrName>
+                                        </p:attrNameLst>
+                                      </p:cBhvr>
+                                      <p:to>
+                                        <p:strVal val="visible"/>
+                                      </p:to>
+                                    </p:set>
+                                    <p:animEffect transition="in" filter="fade">
+                                      <p:cBhvr>
+                                        <p:cTn id="7" dur="1000"/>
+                                        <p:tgtEl>
+                                          <p:spTgt spid="30722">
+                                            <p:txEl>
+                                              <p:pRg st="1" end="1"/>
+                                            </p:txEl>
+                                          </p:spTgt>
+                                        </p:tgtEl>
+                                      </p:cBhvr>
+                                    </p:animEffect>
+                                    <p:anim calcmode="lin" valueType="num">
+                                      <p:cBhvr>
+                                        <p:cTn id="8" dur="1000" fill="hold"/>
+                                        <p:tgtEl>
+                                          <p:spTgt spid="30722">
+                                            <p:txEl>
+                                              <p:pRg st="1" end="1"/>
+                                            </p:txEl>
+                                          </p:spTgt>
+                                        </p:tgtEl>
+                                        <p:attrNameLst>
+                                          <p:attrName>ppt_x</p:attrName>
+                                        </p:attrNameLst>
+                                      </p:cBhvr>
+                                      <p:tavLst>
+                                        <p:tav tm="0">
+                                          <p:val>
+                                            <p:strVal val="#ppt_x"/>
+                                          </p:val>
+                                        </p:tav>
+                                        <p:tav tm="100000">
+                                          <p:val>
+                                            <p:strVal val="#ppt_x"/>
+                                          </p:val>
+                                        </p:tav>
+                                      </p:tavLst>
+                                    </p:anim>
+                                    <p:anim calcmode="lin" valueType="num">
+                                      <p:cBhvr>
+                                        <p:cTn id="9" dur="1000" fill="hold"/>
+                                        <p:tgtEl>
+                                          <p:spTgt spid="30722">
+                                            <p:txEl>
+                                              <p:pRg st="1" end="1"/>
+                                            </p:txEl>
+                                          </p:spTgt>
+                                        </p:tgtEl>
+                                        <p:attrNameLst>
+                                          <p:attrName>ppt_y</p:attrName>
+                                        </p:attrNameLst>
+                                      </p:cBhvr>
+                                      <p:tavLst>
+                                        <p:tav tm="0">
+                                          <p:val>
+                                            <p:strVal val="#ppt_y+.1"/>
+                                          </p:val>
+                                        </p:tav>
+                                        <p:tav tm="100000">
+                                          <p:val>
+                                            <p:strVal val="#ppt_y"/>
+                                          </p:val>
+                                        </p:tav>
+                                      </p:tavLst>
+                                    </p:anim>
+                                  </p:childTnLst>
+                                </p:cTn>
+                              </p:par>
+                            </p:childTnLst>
+                          </p:cTn>
+                        </p:par>
+                      </p:childTnLst>
+                    </p:cTn>
+                  </p:par>
+                  <p:par>
+                    <p:cTn id="10" fill="hold">
+                      <p:stCondLst>
+                        <p:cond delay="indefinite"/>
+                      </p:stCondLst>
+                      <p:childTnLst>
+                        <p:par>
+                          <p:cTn id="11" fill="hold">
+                            <p:stCondLst>
+                              <p:cond delay="0"/>
+                            </p:stCondLst>
+                            <p:childTnLst>
+                              <p:par>
+                                <p:cTn id="12" presetID="42" presetClass="entr" presetSubtype="0" fill="hold" nodeType="clickEffect">
+                                  <p:stCondLst>
+                                    <p:cond delay="0"/>
+                                  </p:stCondLst>
+                                  <p:childTnLst>
+                                    <p:set>
+                                      <p:cBhvr>
+                                        <p:cTn id="13" dur="1" fill="hold">
+                                          <p:stCondLst>
+                                            <p:cond delay="0"/>
+                                          </p:stCondLst>
+                                        </p:cTn>
+                                        <p:tgtEl>
+                                          <p:spTgt spid="30722">
+                                            <p:txEl>
+                                              <p:pRg st="2" end="2"/>
+                                            </p:txEl>
+                                          </p:spTgt>
+                                        </p:tgtEl>
+                                        <p:attrNameLst>
+                                          <p:attrName>style.visibility</p:attrName>
+                                        </p:attrNameLst>
+                                      </p:cBhvr>
+                                      <p:to>
+                                        <p:strVal val="visible"/>
+                                      </p:to>
+                                    </p:set>
+                                    <p:animEffect transition="in" filter="fade">
+                                      <p:cBhvr>
+                                        <p:cTn id="14" dur="1000"/>
+                                        <p:tgtEl>
+                                          <p:spTgt spid="30722">
+                                            <p:txEl>
+                                              <p:pRg st="2" end="2"/>
+                                            </p:txEl>
+                                          </p:spTgt>
+                                        </p:tgtEl>
+                                      </p:cBhvr>
+                                    </p:animEffect>
+                                    <p:anim calcmode="lin" valueType="num">
+                                      <p:cBhvr>
+                                        <p:cTn id="15" dur="1000" fill="hold"/>
+                                        <p:tgtEl>
+                                          <p:spTgt spid="30722">
+                                            <p:txEl>
+                                              <p:pRg st="2" end="2"/>
+                                            </p:txEl>
+                                          </p:spTgt>
+                                        </p:tgtEl>
+                                        <p:attrNameLst>
+                                          <p:attrName>ppt_x</p:attrName>
+                                        </p:attrNameLst>
+                                      </p:cBhvr>
+                                      <p:tavLst>
+                                        <p:tav tm="0">
+                                          <p:val>
+                                            <p:strVal val="#ppt_x"/>
+                                          </p:val>
+                                        </p:tav>
+                                        <p:tav tm="100000">
+                                          <p:val>
+                                            <p:strVal val="#ppt_x"/>
+                                          </p:val>
+                                        </p:tav>
+                                      </p:tavLst>
+                                    </p:anim>
+                                    <p:anim calcmode="lin" valueType="num">
+                                      <p:cBhvr>
+                                        <p:cTn id="16" dur="1000" fill="hold"/>
+                                        <p:tgtEl>
+                                          <p:spTgt spid="30722">
+                                            <p:txEl>
+                                              <p:pRg st="2" end="2"/>
+                                            </p:txEl>
+                                          </p:spTgt>
+                                        </p:tgtEl>
+                                        <p:attrNameLst>
+                                          <p:attrName>ppt_y</p:attrName>
+                                        </p:attrNameLst>
+                                      </p:cBhvr>
+                                      <p:tavLst>
+                                        <p:tav tm="0">
+                                          <p:val>
+                                            <p:strVal val="#ppt_y+.1"/>
+                                          </p:val>
+                                        </p:tav>
+                                        <p:tav tm="100000">
+                                          <p:val>
+                                            <p:strVal val="#ppt_y"/>
+                                          </p:val>
+                                        </p:tav>
+                                      </p:tavLst>
+                                    </p:anim>
+                                  </p:childTnLst>
+                                </p:cTn>
+                              </p:par>
+                              <p:par>
+                                <p:cTn id="17" presetID="42" presetClass="entr" presetSubtype="0" fill="hold" nodeType="withEffect">
+                                  <p:stCondLst>
+                                    <p:cond delay="0"/>
+                                  </p:stCondLst>
+                                  <p:childTnLst>
+                                    <p:set>
+                                      <p:cBhvr>
+                                        <p:cTn id="18" dur="1" fill="hold">
+                                          <p:stCondLst>
+                                            <p:cond delay="0"/>
+                                          </p:stCondLst>
+                                        </p:cTn>
+                                        <p:tgtEl>
+                                          <p:spTgt spid="30722">
+                                            <p:txEl>
+                                              <p:pRg st="3" end="3"/>
+                                            </p:txEl>
+                                          </p:spTgt>
+                                        </p:tgtEl>
+                                        <p:attrNameLst>
+                                          <p:attrName>style.visibility</p:attrName>
+                                        </p:attrNameLst>
+                                      </p:cBhvr>
+                                      <p:to>
+                                        <p:strVal val="visible"/>
+                                      </p:to>
+                                    </p:set>
+                                    <p:animEffect transition="in" filter="fade">
+                                      <p:cBhvr>
+                                        <p:cTn id="19" dur="1000"/>
+                                        <p:tgtEl>
+                                          <p:spTgt spid="30722">
+                                            <p:txEl>
+                                              <p:pRg st="3" end="3"/>
+                                            </p:txEl>
+                                          </p:spTgt>
+                                        </p:tgtEl>
+                                      </p:cBhvr>
+                                    </p:animEffect>
+                                    <p:anim calcmode="lin" valueType="num">
+                                      <p:cBhvr>
+                                        <p:cTn id="20" dur="1000" fill="hold"/>
+                                        <p:tgtEl>
+                                          <p:spTgt spid="30722">
+                                            <p:txEl>
+                                              <p:pRg st="3" end="3"/>
+                                            </p:txEl>
+                                          </p:spTgt>
+                                        </p:tgtEl>
+                                        <p:attrNameLst>
+                                          <p:attrName>ppt_x</p:attrName>
+                                        </p:attrNameLst>
+                                      </p:cBhvr>
+                                      <p:tavLst>
+                                        <p:tav tm="0">
+                                          <p:val>
+                                            <p:strVal val="#ppt_x"/>
+                                          </p:val>
+                                        </p:tav>
+                                        <p:tav tm="100000">
+                                          <p:val>
+                                            <p:strVal val="#ppt_x"/>
+                                          </p:val>
+                                        </p:tav>
+                                      </p:tavLst>
+                                    </p:anim>
+                                    <p:anim calcmode="lin" valueType="num">
+                                      <p:cBhvr>
+                                        <p:cTn id="21" dur="1000" fill="hold"/>
+                                        <p:tgtEl>
+                                          <p:spTgt spid="30722">
+                                            <p:txEl>
+                                              <p:pRg st="3" end="3"/>
+                                            </p:txEl>
+                                          </p:spTgt>
+                                        </p:tgtEl>
+                                        <p:attrNameLst>
+                                          <p:attrName>ppt_y</p:attrName>
+                                        </p:attrNameLst>
+                                      </p:cBhvr>
+                                      <p:tavLst>
+                                        <p:tav tm="0">
+                                          <p:val>
+                                            <p:strVal val="#ppt_y+.1"/>
+                                          </p:val>
+                                        </p:tav>
+                                        <p:tav tm="100000">
+                                          <p:val>
+                                            <p:strVal val="#ppt_y"/>
+                                          </p:val>
+                                        </p:tav>
+                                      </p:tavLst>
+                                    </p:anim>
+                                  </p:childTnLst>
+                                </p:cTn>
+                              </p:par>
+                              <p:par>
+                                <p:cTn id="22" presetID="42" presetClass="entr" presetSubtype="0" fill="hold" nodeType="withEffect">
+                                  <p:stCondLst>
+                                    <p:cond delay="0"/>
+                                  </p:stCondLst>
+                                  <p:childTnLst>
+                                    <p:set>
+                                      <p:cBhvr>
+                                        <p:cTn id="23" dur="1" fill="hold">
+                                          <p:stCondLst>
+                                            <p:cond delay="0"/>
+                                          </p:stCondLst>
+                                        </p:cTn>
+                                        <p:tgtEl>
+                                          <p:spTgt spid="30722">
+                                            <p:txEl>
+                                              <p:pRg st="4" end="4"/>
+                                            </p:txEl>
+                                          </p:spTgt>
+                                        </p:tgtEl>
+                                        <p:attrNameLst>
+                                          <p:attrName>style.visibility</p:attrName>
+                                        </p:attrNameLst>
+                                      </p:cBhvr>
+                                      <p:to>
+                                        <p:strVal val="visible"/>
+                                      </p:to>
+                                    </p:set>
+                                    <p:animEffect transition="in" filter="fade">
+                                      <p:cBhvr>
+                                        <p:cTn id="24" dur="1000"/>
+                                        <p:tgtEl>
+                                          <p:spTgt spid="30722">
+                                            <p:txEl>
+                                              <p:pRg st="4" end="4"/>
+                                            </p:txEl>
+                                          </p:spTgt>
+                                        </p:tgtEl>
+                                      </p:cBhvr>
+                                    </p:animEffect>
+                                    <p:anim calcmode="lin" valueType="num">
+                                      <p:cBhvr>
+                                        <p:cTn id="25" dur="1000" fill="hold"/>
+                                        <p:tgtEl>
+                                          <p:spTgt spid="30722">
+                                            <p:txEl>
+                                              <p:pRg st="4" end="4"/>
+                                            </p:txEl>
+                                          </p:spTgt>
+                                        </p:tgtEl>
+                                        <p:attrNameLst>
+                                          <p:attrName>ppt_x</p:attrName>
+                                        </p:attrNameLst>
+                                      </p:cBhvr>
+                                      <p:tavLst>
+                                        <p:tav tm="0">
+                                          <p:val>
+                                            <p:strVal val="#ppt_x"/>
+                                          </p:val>
+                                        </p:tav>
+                                        <p:tav tm="100000">
+                                          <p:val>
+                                            <p:strVal val="#ppt_x"/>
+                                          </p:val>
+                                        </p:tav>
+                                      </p:tavLst>
+                                    </p:anim>
+                                    <p:anim calcmode="lin" valueType="num">
+                                      <p:cBhvr>
+                                        <p:cTn id="26" dur="1000" fill="hold"/>
+                                        <p:tgtEl>
+                                          <p:spTgt spid="30722">
+                                            <p:txEl>
+                                              <p:pRg st="4" end="4"/>
+                                            </p:txEl>
+                                          </p:spTgt>
+                                        </p:tgtEl>
+                                        <p:attrNameLst>
+                                          <p:attrName>ppt_y</p:attrName>
+                                        </p:attrNameLst>
+                                      </p:cBhvr>
+                                      <p:tavLst>
+                                        <p:tav tm="0">
+                                          <p:val>
+                                            <p:strVal val="#ppt_y+.1"/>
+                                          </p:val>
+                                        </p:tav>
+                                        <p:tav tm="100000">
+                                          <p:val>
+                                            <p:strVal val="#ppt_y"/>
+                                          </p:val>
+                                        </p:tav>
+                                      </p:tavLst>
+                                    </p:anim>
+                                  </p:childTnLst>
+                                </p:cTn>
+                              </p:par>
+                              <p:par>
+                                <p:cTn id="27" presetID="42" presetClass="entr" presetSubtype="0" fill="hold" nodeType="withEffect">
+                                  <p:stCondLst>
+                                    <p:cond delay="0"/>
+                                  </p:stCondLst>
+                                  <p:childTnLst>
+                                    <p:set>
+                                      <p:cBhvr>
+                                        <p:cTn id="28" dur="1" fill="hold">
+                                          <p:stCondLst>
+                                            <p:cond delay="0"/>
+                                          </p:stCondLst>
+                                        </p:cTn>
+                                        <p:tgtEl>
+                                          <p:spTgt spid="30722">
+                                            <p:txEl>
+                                              <p:pRg st="5" end="5"/>
+                                            </p:txEl>
+                                          </p:spTgt>
+                                        </p:tgtEl>
+                                        <p:attrNameLst>
+                                          <p:attrName>style.visibility</p:attrName>
+                                        </p:attrNameLst>
+                                      </p:cBhvr>
+                                      <p:to>
+                                        <p:strVal val="visible"/>
+                                      </p:to>
+                                    </p:set>
+                                    <p:animEffect transition="in" filter="fade">
+                                      <p:cBhvr>
+                                        <p:cTn id="29" dur="1000"/>
+                                        <p:tgtEl>
+                                          <p:spTgt spid="30722">
+                                            <p:txEl>
+                                              <p:pRg st="5" end="5"/>
+                                            </p:txEl>
+                                          </p:spTgt>
+                                        </p:tgtEl>
+                                      </p:cBhvr>
+                                    </p:animEffect>
+                                    <p:anim calcmode="lin" valueType="num">
+                                      <p:cBhvr>
+                                        <p:cTn id="30" dur="1000" fill="hold"/>
+                                        <p:tgtEl>
+                                          <p:spTgt spid="30722">
+                                            <p:txEl>
+                                              <p:pRg st="5" end="5"/>
+                                            </p:txEl>
+                                          </p:spTgt>
+                                        </p:tgtEl>
+                                        <p:attrNameLst>
+                                          <p:attrName>ppt_x</p:attrName>
+                                        </p:attrNameLst>
+                                      </p:cBhvr>
+                                      <p:tavLst>
+                                        <p:tav tm="0">
+                                          <p:val>
+                                            <p:strVal val="#ppt_x"/>
+                                          </p:val>
+                                        </p:tav>
+                                        <p:tav tm="100000">
+                                          <p:val>
+                                            <p:strVal val="#ppt_x"/>
+                                          </p:val>
+                                        </p:tav>
+                                      </p:tavLst>
+                                    </p:anim>
+                                    <p:anim calcmode="lin" valueType="num">
+                                      <p:cBhvr>
+                                        <p:cTn id="31" dur="1000" fill="hold"/>
+                                        <p:tgtEl>
+                                          <p:spTgt spid="30722">
+                                            <p:txEl>
+                                              <p:pRg st="5" end="5"/>
+                                            </p:txEl>
+                                          </p:spTgt>
+                                        </p:tgtEl>
+                                        <p:attrNameLst>
+                                          <p:attrName>ppt_y</p:attrName>
+                                        </p:attrNameLst>
+                                      </p:cBhvr>
+                                      <p:tavLst>
+                                        <p:tav tm="0">
+                                          <p:val>
+                                            <p:strVal val="#ppt_y+.1"/>
+                                          </p:val>
+                                        </p:tav>
+                                        <p:tav tm="100000">
+                                          <p:val>
+                                            <p:strVal val="#ppt_y"/>
+                                          </p:val>
+                                        </p:tav>
+                                      </p:tavLst>
+                                    </p:anim>
+                                  </p:childTnLst>
+                                </p:cTn>
+                              </p:par>
+                            </p:childTnLst>
+                          </p:cTn>
+                        </p:par>
+                      </p:childTnLst>
+                    </p:cTn>
+                  </p:par>
+                  <p:par>
+                    <p:cTn id="32" fill="hold">
+                      <p:stCondLst>
+                        <p:cond delay="indefinite"/>
+                      </p:stCondLst>
+                      <p:childTnLst>
+                        <p:par>
+                          <p:cTn id="33" fill="hold">
+                            <p:stCondLst>
+                              <p:cond delay="0"/>
+                            </p:stCondLst>
+                            <p:childTnLst>
+                              <p:par>
+                                <p:cTn id="34" presetID="42" presetClass="entr" presetSubtype="0" fill="hold" nodeType="clickEffect">
+                                  <p:stCondLst>
+                                    <p:cond delay="0"/>
+                                  </p:stCondLst>
+                                  <p:childTnLst>
+                                    <p:set>
+                                      <p:cBhvr>
+                                        <p:cTn id="35" dur="1" fill="hold">
+                                          <p:stCondLst>
+                                            <p:cond delay="0"/>
+                                          </p:stCondLst>
+                                        </p:cTn>
+                                        <p:tgtEl>
+                                          <p:spTgt spid="30722">
+                                            <p:txEl>
+                                              <p:pRg st="6" end="6"/>
+                                            </p:txEl>
+                                          </p:spTgt>
+                                        </p:tgtEl>
+                                        <p:attrNameLst>
+                                          <p:attrName>style.visibility</p:attrName>
+                                        </p:attrNameLst>
+                                      </p:cBhvr>
+                                      <p:to>
+                                        <p:strVal val="visible"/>
+                                      </p:to>
+                                    </p:set>
+                                    <p:animEffect transition="in" filter="fade">
+                                      <p:cBhvr>
+                                        <p:cTn id="36" dur="1000"/>
+                                        <p:tgtEl>
+                                          <p:spTgt spid="30722">
+                                            <p:txEl>
+                                              <p:pRg st="6" end="6"/>
+                                            </p:txEl>
+                                          </p:spTgt>
+                                        </p:tgtEl>
+                                      </p:cBhvr>
+                                    </p:animEffect>
+                                    <p:anim calcmode="lin" valueType="num">
+                                      <p:cBhvr>
+                                        <p:cTn id="37" dur="1000" fill="hold"/>
+                                        <p:tgtEl>
+                                          <p:spTgt spid="30722">
+                                            <p:txEl>
+                                              <p:pRg st="6" end="6"/>
+                                            </p:txEl>
+                                          </p:spTgt>
+                                        </p:tgtEl>
+                                        <p:attrNameLst>
+                                          <p:attrName>ppt_x</p:attrName>
+                                        </p:attrNameLst>
+                                      </p:cBhvr>
+                                      <p:tavLst>
+                                        <p:tav tm="0">
+                                          <p:val>
+                                            <p:strVal val="#ppt_x"/>
+                                          </p:val>
+                                        </p:tav>
+                                        <p:tav tm="100000">
+                                          <p:val>
+                                            <p:strVal val="#ppt_x"/>
+                                          </p:val>
+                                        </p:tav>
+                                      </p:tavLst>
+                                    </p:anim>
+                                    <p:anim calcmode="lin" valueType="num">
+                                      <p:cBhvr>
+                                        <p:cTn id="38" dur="1000" fill="hold"/>
+                                        <p:tgtEl>
+                                          <p:spTgt spid="30722">
+                                            <p:txEl>
+                                              <p:pRg st="6" end="6"/>
+                                            </p:txEl>
+                                          </p:spTgt>
+                                        </p:tgtEl>
+                                        <p:attrNameLst>
+                                          <p:attrName>ppt_y</p:attrName>
+                                        </p:attrNameLst>
+                                      </p:cBhvr>
+                                      <p:tavLst>
+                                        <p:tav tm="0">
+                                          <p:val>
+                                            <p:strVal val="#ppt_y+.1"/>
+                                          </p:val>
+                                        </p:tav>
+                                        <p:tav tm="100000">
+                                          <p:val>
+                                            <p:strVal val="#ppt_y"/>
+                                          </p:val>
+                                        </p:tav>
+                                      </p:tavLst>
+                                    </p:anim>
+                                  </p:childTnLst>
+                                </p:cTn>
+                              </p:par>
+                            </p:childTnLst>
+                          </p:cTn>
+                        </p:par>
+                      </p:childTnLst>
+                    </p:cTn>
+                  </p:par>
+                  <p:par>
+                    <p:cTn id="39" fill="hold">
+                      <p:stCondLst>
+                        <p:cond delay="indefinite"/>
+                      </p:stCondLst>
+                      <p:childTnLst>
+                        <p:par>
+                          <p:cTn id="40" fill="hold">
+                            <p:stCondLst>
+                              <p:cond delay="0"/>
+                            </p:stCondLst>
+                            <p:childTnLst>
+                              <p:par>
+                                <p:cTn id="41" presetID="16" presetClass="entr" presetSubtype="21" fill="hold" grpId="0" nodeType="clickEffect">
+                                  <p:stCondLst>
+                                    <p:cond delay="0"/>
+                                  </p:stCondLst>
+                                  <p:childTnLst>
+                                    <p:set>
+                                      <p:cBhvr>
+                                        <p:cTn id="42" dur="1" fill="hold">
+                                          <p:stCondLst>
+                                            <p:cond delay="0"/>
+                                          </p:stCondLst>
+                                        </p:cTn>
+                                        <p:tgtEl>
+                                          <p:spTgt spid="2"/>
+                                        </p:tgtEl>
+                                        <p:attrNameLst>
+                                          <p:attrName>style.visibility</p:attrName>
+                                        </p:attrNameLst>
+                                      </p:cBhvr>
+                                      <p:to>
+                                        <p:strVal val="visible"/>
+                                      </p:to>
+                                    </p:set>
+                                    <p:animEffect transition="in" filter="barn(inVertical)">
+                                      <p:cBhvr>
+                                        <p:cTn id="43" dur="500"/>
+                                        <p:tgtEl>
+                                          <p:spTgt spid="2"/>
+                                        </p:tgtEl>
+                                      </p:cBhvr>
+                                    </p:animEffect>
+                                  </p:childTnLst>
+                                </p:cTn>
+                              </p:par>
+                            </p:childTnLst>
+                          </p:cTn>
+                        </p:par>
+                      </p:childTnLst>
+                    </p:cTn>
+                  </p:par>
+                </p:childTnLst>
+              </p:cTn>
+              <p:prevCondLst>
+                <p:cond evt="onPrev" delay="0">
+                  <p:tgtEl>
+                    <p:sldTgt/>
+                  </p:tgtEl>
+                </p:cond>
+              </p:prevCondLst>
+              <p:nextCondLst>
+                <p:cond evt="onNext" delay="0">
+                  <p:tgtEl>
+                    <p:sldTgt/>
+                  </p:tgtEl>
+                </p:cond>
+              </p:nextCondLst>
+            </p:seq>
+          </p:childTnLst>
+        </p:cTn>
       </p:par>
     </p:tnLst>
+    <p:bldLst>
+      <p:bldP spid="2" grpId="0"/>
+    </p:bldLst>
   </p:timing>
 </p:sld>
 </file>
@@ -9566,11 +10286,7 @@
           <a:p>
             <a:r>
               <a:rPr lang="en-US" altLang="zh-CN" sz="2400" dirty="0" smtClean="0"/>
-              <a:t>class </a:t>
-            </a:r>
-            <a:r>
-              <a:rPr lang="en-US" altLang="zh-CN" sz="2400" dirty="0" smtClean="0"/>
-              <a:t>Hello </a:t>
+              <a:t>class Hello </a:t>
             </a:r>
             <a:r>
               <a:rPr lang="en-US" altLang="zh-CN" sz="2400" dirty="0">
@@ -9647,7 +10363,6 @@
               <a:rPr lang="en-US" altLang="zh-CN" sz="2400" dirty="0" smtClean="0"/>
               <a:t>}</a:t>
             </a:r>
-            <a:endParaRPr lang="en-US" altLang="zh-CN" sz="2400" dirty="0" smtClean="0"/>
           </a:p>
           <a:p>
             <a:r>
@@ -10185,7 +10900,7 @@
   <a:extraClrSchemeLst/>
   <a:extLst>
     <a:ext uri="{05A4C25C-085E-4340-85A3-A5531E510DB2}">
-      <thm15:themeFamily xmlns="" xmlns:thm15="http://schemas.microsoft.com/office/thememl/2012/main" name="Office Theme" id="{62F939B6-93AF-4DB8-9C6B-D6C7DFDC589F}" vid="{4A3C46E8-61CC-4603-A589-7422A47A8E4A}"/>
+      <thm15:themeFamily xmlns:thm15="http://schemas.microsoft.com/office/thememl/2012/main" xmlns="" name="Office Theme" id="{62F939B6-93AF-4DB8-9C6B-D6C7DFDC589F}" vid="{4A3C46E8-61CC-4603-A589-7422A47A8E4A}"/>
     </a:ext>
   </a:extLst>
 </a:theme>
@@ -10473,7 +11188,7 @@
   <a:extraClrSchemeLst/>
   <a:extLst>
     <a:ext uri="{05A4C25C-085E-4340-85A3-A5531E510DB2}">
-      <thm15:themeFamily xmlns="" xmlns:thm15="http://schemas.microsoft.com/office/thememl/2012/main" name="Office Theme" id="{62F939B6-93AF-4DB8-9C6B-D6C7DFDC589F}" vid="{4A3C46E8-61CC-4603-A589-7422A47A8E4A}"/>
+      <thm15:themeFamily xmlns:thm15="http://schemas.microsoft.com/office/thememl/2012/main" xmlns="" name="Office Theme" id="{62F939B6-93AF-4DB8-9C6B-D6C7DFDC589F}" vid="{4A3C46E8-61CC-4603-A589-7422A47A8E4A}"/>
     </a:ext>
   </a:extLst>
 </a:theme>

--- a/reactjs/ppt/1-3 React基础语法（二）.pptx
+++ b/reactjs/ppt/1-3 React基础语法（二）.pptx
@@ -5163,15 +5163,27 @@
             <a:pPr marL="591820" lvl="1"/>
             <a:r>
               <a:rPr lang="zh-CN" altLang="en-US" dirty="0" smtClean="0"/>
-              <a:t> 使用</a:t>
-            </a:r>
-            <a:r>
-              <a:rPr lang="en-US" altLang="zh-CN" dirty="0" err="1"/>
+              <a:t> </a:t>
+            </a:r>
+            <a:r>
+              <a:rPr lang="zh-CN" altLang="en-US" dirty="0" smtClean="0"/>
+              <a:t>使用 </a:t>
+            </a:r>
+            <a:r>
+              <a:rPr lang="en-US" altLang="zh-CN" dirty="0" err="1" smtClean="0"/>
               <a:t>className</a:t>
             </a:r>
             <a:r>
+              <a:rPr lang="en-US" altLang="zh-CN" smtClean="0"/>
+              <a:t> </a:t>
+            </a:r>
+            <a:r>
+              <a:rPr lang="zh-CN" altLang="en-US" smtClean="0"/>
+              <a:t>属性</a:t>
+            </a:r>
+            <a:r>
               <a:rPr lang="zh-CN" altLang="en-US" dirty="0"/>
-              <a:t>属性指定一个</a:t>
+              <a:t>指定一个</a:t>
             </a:r>
             <a:r>
               <a:rPr lang="en-US" altLang="zh-CN" dirty="0"/>
@@ -10900,7 +10912,7 @@
   <a:extraClrSchemeLst/>
   <a:extLst>
     <a:ext uri="{05A4C25C-085E-4340-85A3-A5531E510DB2}">
-      <thm15:themeFamily xmlns:thm15="http://schemas.microsoft.com/office/thememl/2012/main" xmlns="" name="Office Theme" id="{62F939B6-93AF-4DB8-9C6B-D6C7DFDC589F}" vid="{4A3C46E8-61CC-4603-A589-7422A47A8E4A}"/>
+      <thm15:themeFamily xmlns="" xmlns:thm15="http://schemas.microsoft.com/office/thememl/2012/main" name="Office Theme" id="{62F939B6-93AF-4DB8-9C6B-D6C7DFDC589F}" vid="{4A3C46E8-61CC-4603-A589-7422A47A8E4A}"/>
     </a:ext>
   </a:extLst>
 </a:theme>
@@ -11188,7 +11200,7 @@
   <a:extraClrSchemeLst/>
   <a:extLst>
     <a:ext uri="{05A4C25C-085E-4340-85A3-A5531E510DB2}">
-      <thm15:themeFamily xmlns:thm15="http://schemas.microsoft.com/office/thememl/2012/main" xmlns="" name="Office Theme" id="{62F939B6-93AF-4DB8-9C6B-D6C7DFDC589F}" vid="{4A3C46E8-61CC-4603-A589-7422A47A8E4A}"/>
+      <thm15:themeFamily xmlns="" xmlns:thm15="http://schemas.microsoft.com/office/thememl/2012/main" name="Office Theme" id="{62F939B6-93AF-4DB8-9C6B-D6C7DFDC589F}" vid="{4A3C46E8-61CC-4603-A589-7422A47A8E4A}"/>
     </a:ext>
   </a:extLst>
 </a:theme>
